--- a/docs/Waukesha Week 13.pptx
+++ b/docs/Waukesha Week 13.pptx
@@ -6767,7 +6767,7 @@
         <p:spPr/>
         <p:txBody>
           <a:bodyPr>
-            <a:normAutofit fontScale="77500" lnSpcReduction="20000"/>
+            <a:normAutofit fontScale="62500" lnSpcReduction="20000"/>
           </a:bodyPr>
           <a:lstStyle/>
           <a:p>
@@ -6898,6 +6898,23 @@
                 </a:solidFill>
               </a:rPr>
               <a:t>Update Draft sent</a:t>
+            </a:r>
+          </a:p>
+          <a:p>
+            <a:r>
+              <a:rPr lang="en-US" dirty="0"/>
+              <a:t>Test Plan</a:t>
+            </a:r>
+          </a:p>
+          <a:p>
+            <a:pPr lvl="1"/>
+            <a:r>
+              <a:rPr lang="en-US" dirty="0">
+                <a:solidFill>
+                  <a:srgbClr val="FFFF00"/>
+                </a:solidFill>
+              </a:rPr>
+              <a:t>Ready to discuss Test Plan</a:t>
             </a:r>
           </a:p>
           <a:p>
@@ -6977,12 +6994,14 @@
           <a:lstStyle/>
           <a:p>
             <a:r>
-              <a:rPr lang="en-US"/>
-              <a:t>Estimate 1 </a:t>
-            </a:r>
-            <a:r>
               <a:rPr lang="en-US" dirty="0"/>
-              <a:t>Weeks left</a:t>
+              <a:t>Estimate 1 Weeks left</a:t>
+            </a:r>
+          </a:p>
+          <a:p>
+            <a:r>
+              <a:rPr lang="en-US" dirty="0"/>
+              <a:t>Work with Test Plan Team</a:t>
             </a:r>
           </a:p>
           <a:p>
@@ -7182,7 +7201,7 @@
         </p:spPr>
         <p:txBody>
           <a:bodyPr>
-            <a:normAutofit fontScale="77500" lnSpcReduction="20000"/>
+            <a:normAutofit fontScale="70000" lnSpcReduction="20000"/>
           </a:bodyPr>
           <a:lstStyle/>
           <a:p>
@@ -7211,6 +7230,17 @@
                 </a:solidFill>
               </a:rPr>
               <a:t>Fixed Bugs</a:t>
+            </a:r>
+          </a:p>
+          <a:p>
+            <a:pPr lvl="1"/>
+            <a:r>
+              <a:rPr lang="en-US" dirty="0">
+                <a:solidFill>
+                  <a:srgbClr val="FFFF00"/>
+                </a:solidFill>
+              </a:rPr>
+              <a:t>Admin Logic?</a:t>
             </a:r>
           </a:p>
           <a:p>
@@ -7545,6 +7575,28 @@
                 </a:solidFill>
               </a:rPr>
               <a:t>Working on Both Servers</a:t>
+            </a:r>
+          </a:p>
+          <a:p>
+            <a:pPr lvl="3"/>
+            <a:r>
+              <a:rPr lang="en-US" dirty="0">
+                <a:solidFill>
+                  <a:srgbClr val="FFFF00"/>
+                </a:solidFill>
+              </a:rPr>
+              <a:t>Configured SMTP for Email and tested</a:t>
+            </a:r>
+          </a:p>
+          <a:p>
+            <a:pPr lvl="3"/>
+            <a:r>
+              <a:rPr lang="en-US" dirty="0">
+                <a:solidFill>
+                  <a:srgbClr val="FFFF00"/>
+                </a:solidFill>
+              </a:rPr>
+              <a:t>Updated the Java Memory Heap</a:t>
             </a:r>
           </a:p>
           <a:p>
@@ -8035,7 +8087,7 @@
         <p:spPr/>
         <p:txBody>
           <a:bodyPr>
-            <a:normAutofit fontScale="77500" lnSpcReduction="20000"/>
+            <a:normAutofit fontScale="85000" lnSpcReduction="20000"/>
           </a:bodyPr>
           <a:lstStyle/>
           <a:p>
@@ -8274,33 +8326,6 @@
                 <a:srgbClr val="00B050"/>
               </a:solidFill>
             </a:endParaRPr>
-          </a:p>
-          <a:p>
-            <a:pPr lvl="1"/>
-            <a:r>
-              <a:rPr lang="en-US" dirty="0">
-                <a:solidFill>
-                  <a:srgbClr val="00B050"/>
-                </a:solidFill>
-              </a:rPr>
-              <a:t>Groups for </a:t>
-            </a:r>
-            <a:r>
-              <a:rPr lang="en-US" dirty="0" err="1">
-                <a:solidFill>
-                  <a:srgbClr val="00B050"/>
-                </a:solidFill>
-              </a:rPr>
-              <a:t>PreExisting</a:t>
-            </a:r>
-            <a:r>
-              <a:rPr lang="en-US" dirty="0">
-                <a:solidFill>
-                  <a:srgbClr val="00B050"/>
-                </a:solidFill>
-              </a:rPr>
-              <a:t> Courses??</a:t>
-            </a:r>
           </a:p>
         </p:txBody>
       </p:sp>
